--- a/1.pptx
+++ b/1.pptx
@@ -276,7 +276,7 @@
           <a:p>
             <a:fld id="{3E5F99A4-3D89-426B-9B10-9124F9AB426E}" type="datetimeFigureOut">
               <a:rPr lang="zh-CN" altLang="en-US" smtClean="0"/>
-              <a:t>2020/10/15</a:t>
+              <a:t>2020/10/18</a:t>
             </a:fld>
             <a:endParaRPr lang="zh-CN" altLang="en-US"/>
           </a:p>
@@ -457,7 +457,7 @@
               <a:pPr>
                 <a:defRPr/>
               </a:pPr>
-              <a:t>2020/10/15</a:t>
+              <a:t>2020/10/18</a:t>
             </a:fld>
             <a:endParaRPr lang="zh-CN" altLang="en-US"/>
           </a:p>
@@ -12552,7 +12552,7 @@
                 <a:ea typeface="微软雅黑" charset="0"/>
                 <a:sym typeface="+mn-ea"/>
               </a:rPr>
-              <a:t>课程介绍</a:t>
+              <a:t>中断与异常机制</a:t>
             </a:r>
           </a:p>
         </p:txBody>
